--- a/mind_the_gap.pptx
+++ b/mind_the_gap.pptx
@@ -26,6 +26,8 @@
     <p:sldId id="274" r:id="rId20"/>
     <p:sldId id="275" r:id="rId21"/>
     <p:sldId id="276" r:id="rId22"/>
+    <p:sldId id="277" r:id="rId23"/>
+    <p:sldId id="278" r:id="rId24"/>
   </p:sldIdLst>
   <p:sldSz cx="12192000" cy="6858000"/>
   <p:notesSz cx="6858000" cy="9144000"/>
@@ -124,6 +126,11 @@
       </a:defRPr>
     </a:lvl9pPr>
   </p:defaultTextStyle>
+  <p:extLst>
+    <p:ext uri="{EFAFB233-063F-42B5-8137-9DF3F51BA10A}">
+      <p15:sldGuideLst xmlns:p15="http://schemas.microsoft.com/office/powerpoint/2012/main"/>
+    </p:ext>
+  </p:extLst>
 </p:presentation>
 </file>
 
@@ -328,7 +335,7 @@
             <a:fld id="{5586B75A-687E-405C-8A0B-8D00578BA2C3}" type="datetimeFigureOut">
               <a:rPr lang="en-US" dirty="0"/>
               <a:pPr/>
-              <a:t>6/20/2025</a:t>
+              <a:t>6/21/2025</a:t>
             </a:fld>
             <a:endParaRPr lang="en-US" dirty="0"/>
           </a:p>
@@ -514,7 +521,7 @@
           <a:p>
             <a:fld id="{5F4E5243-F52A-4D37-9694-EB26C6C31910}" type="datetimeFigureOut">
               <a:rPr lang="en-US" dirty="0"/>
-              <a:t>6/20/2025</a:t>
+              <a:t>6/21/2025</a:t>
             </a:fld>
             <a:endParaRPr lang="en-US" dirty="0"/>
           </a:p>
@@ -689,7 +696,7 @@
           <a:p>
             <a:fld id="{3A77B6E1-634A-48DC-9E8B-D894023267EF}" type="datetimeFigureOut">
               <a:rPr lang="en-US" dirty="0"/>
-              <a:t>6/20/2025</a:t>
+              <a:t>6/21/2025</a:t>
             </a:fld>
             <a:endParaRPr lang="en-US" dirty="0"/>
           </a:p>
@@ -854,7 +861,7 @@
           <a:p>
             <a:fld id="{7B2D3E9E-A95C-48F2-B4BF-A71542E0BE9A}" type="datetimeFigureOut">
               <a:rPr lang="en-US" dirty="0"/>
-              <a:t>6/20/2025</a:t>
+              <a:t>6/21/2025</a:t>
             </a:fld>
             <a:endParaRPr lang="en-US" dirty="0"/>
           </a:p>
@@ -1106,7 +1113,7 @@
             <a:fld id="{5586B75A-687E-405C-8A0B-8D00578BA2C3}" type="datetimeFigureOut">
               <a:rPr lang="en-US" dirty="0"/>
               <a:pPr/>
-              <a:t>6/20/2025</a:t>
+              <a:t>6/21/2025</a:t>
             </a:fld>
             <a:endParaRPr lang="en-US" dirty="0"/>
           </a:p>
@@ -1390,7 +1397,7 @@
           <a:p>
             <a:fld id="{F12952B5-7A2F-4CC8-B7CE-9234E21C2837}" type="datetimeFigureOut">
               <a:rPr lang="en-US" dirty="0"/>
-              <a:t>6/20/2025</a:t>
+              <a:t>6/21/2025</a:t>
             </a:fld>
             <a:endParaRPr lang="en-US" dirty="0"/>
           </a:p>
@@ -1823,7 +1830,7 @@
           <a:p>
             <a:fld id="{CE1DA07A-9201-4B4B-BAF2-015AFA30F520}" type="datetimeFigureOut">
               <a:rPr lang="en-US" dirty="0"/>
-              <a:t>6/20/2025</a:t>
+              <a:t>6/21/2025</a:t>
             </a:fld>
             <a:endParaRPr lang="en-US" dirty="0"/>
           </a:p>
@@ -1936,7 +1943,7 @@
           <a:p>
             <a:fld id="{73D7E00A-486F-4252-8B1D-E32645521F49}" type="datetimeFigureOut">
               <a:rPr lang="en-US" dirty="0"/>
-              <a:t>6/20/2025</a:t>
+              <a:t>6/21/2025</a:t>
             </a:fld>
             <a:endParaRPr lang="en-US" dirty="0"/>
           </a:p>
@@ -2026,7 +2033,7 @@
           <a:p>
             <a:fld id="{8DDF5F92-E675-4B36-9A60-69A962A68675}" type="datetimeFigureOut">
               <a:rPr lang="en-US" dirty="0"/>
-              <a:t>6/20/2025</a:t>
+              <a:t>6/21/2025</a:t>
             </a:fld>
             <a:endParaRPr lang="en-US" dirty="0"/>
           </a:p>
@@ -2377,7 +2384,7 @@
           <a:p>
             <a:fld id="{AF6E2C9B-5FA2-460D-9BE7-B0812FC2A6FF}" type="datetimeFigureOut">
               <a:rPr lang="en-US" dirty="0"/>
-              <a:t>6/20/2025</a:t>
+              <a:t>6/21/2025</a:t>
             </a:fld>
             <a:endParaRPr lang="en-US" dirty="0"/>
           </a:p>
@@ -2690,7 +2697,7 @@
             <a:fld id="{5586B75A-687E-405C-8A0B-8D00578BA2C3}" type="datetimeFigureOut">
               <a:rPr lang="en-US" dirty="0"/>
               <a:pPr/>
-              <a:t>6/20/2025</a:t>
+              <a:t>6/21/2025</a:t>
             </a:fld>
             <a:endParaRPr lang="en-US" dirty="0"/>
           </a:p>
@@ -2920,7 +2927,7 @@
             <a:fld id="{5586B75A-687E-405C-8A0B-8D00578BA2C3}" type="datetimeFigureOut">
               <a:rPr lang="en-US" dirty="0"/>
               <a:pPr/>
-              <a:t>6/20/2025</a:t>
+              <a:t>6/21/2025</a:t>
             </a:fld>
             <a:endParaRPr lang="en-US" dirty="0"/>
           </a:p>
@@ -3603,7 +3610,7 @@
           <a:p>
             <a:r>
               <a:rPr lang="en-US" sz="7200" dirty="0"/>
-              <a:t>County- Level Coverage Gaps</a:t>
+              <a:t>County-Level Coverage Gaps</a:t>
             </a:r>
           </a:p>
         </p:txBody>
@@ -4216,9 +4223,10 @@
           <a:lstStyle/>
           <a:p>
             <a:r>
-              <a:rPr lang="en-US" dirty="0"/>
-              <a:t>Analysis</a:t>
-            </a:r>
+              <a:rPr lang="en-US" sz="7200" dirty="0"/>
+              <a:t>Digging Deeper</a:t>
+            </a:r>
+            <a:endParaRPr lang="en-US" sz="8000" dirty="0"/>
           </a:p>
         </p:txBody>
       </p:sp>
@@ -4245,7 +4253,7 @@
           <a:p>
             <a:r>
               <a:rPr lang="en-US" dirty="0"/>
-              <a:t>What can explain the gaps?</a:t>
+              <a:t>Falling into the gap</a:t>
             </a:r>
           </a:p>
         </p:txBody>
@@ -5858,13 +5866,13 @@
             <a:pPr lvl="3"/>
             <a:r>
               <a:rPr lang="en-US" dirty="0"/>
-              <a:t>In Top 5 list of Highest Senior Population</a:t>
-            </a:r>
-          </a:p>
-          <a:p>
-            <a:r>
-              <a:rPr lang="en-US" dirty="0"/>
-              <a:t>Child Data and Enrollment</a:t>
+              <a:t>In Top 5 Highest Senior Population</a:t>
+            </a:r>
+          </a:p>
+          <a:p>
+            <a:r>
+              <a:rPr lang="en-US" dirty="0"/>
+              <a:t>Children and Medicaid Enrollment</a:t>
             </a:r>
           </a:p>
           <a:p>
@@ -5885,7 +5893,7 @@
             <a:pPr lvl="3"/>
             <a:r>
               <a:rPr lang="en-US" dirty="0"/>
-              <a:t>Less likely to need assistance with medical bills</a:t>
+              <a:t>Less likely to enroll in Medicaid</a:t>
             </a:r>
           </a:p>
         </p:txBody>
@@ -6025,6 +6033,38 @@
           </a:p>
         </p:txBody>
       </p:sp>
+      <p:pic>
+        <p:nvPicPr>
+          <p:cNvPr id="5" name="Picture 4">
+            <a:extLst>
+              <a:ext uri="{FF2B5EF4-FFF2-40B4-BE49-F238E27FC236}">
+                <a16:creationId xmlns:a16="http://schemas.microsoft.com/office/drawing/2014/main" id="{DC40988D-E449-5165-E822-7AF785AFB0C4}"/>
+              </a:ext>
+            </a:extLst>
+          </p:cNvPr>
+          <p:cNvPicPr>
+            <a:picLocks noChangeAspect="1"/>
+          </p:cNvPicPr>
+          <p:nvPr/>
+        </p:nvPicPr>
+        <p:blipFill>
+          <a:blip r:embed="rId2">
+            <a:alphaModFix amt="56000"/>
+          </a:blip>
+          <a:stretch>
+            <a:fillRect/>
+          </a:stretch>
+        </p:blipFill>
+        <p:spPr>
+          <a:xfrm>
+            <a:off x="5705917" y="2420302"/>
+            <a:ext cx="5724081" cy="3766185"/>
+          </a:xfrm>
+          <a:prstGeom prst="rect">
+            <a:avLst/>
+          </a:prstGeom>
+        </p:spPr>
+      </p:pic>
     </p:spTree>
     <p:extLst>
       <p:ext uri="{BB962C8B-B14F-4D97-AF65-F5344CB8AC3E}">
@@ -6078,7 +6118,7 @@
           <a:p>
             <a:r>
               <a:rPr lang="en-US" dirty="0"/>
-              <a:t>Areas of Highest Utilization</a:t>
+              <a:t>Areas of Highest Utilization </a:t>
             </a:r>
           </a:p>
         </p:txBody>
@@ -6536,6 +6576,651 @@
 </p:sld>
 </file>
 
+<file path=ppt/slides/slide22.xml><?xml version="1.0" encoding="utf-8"?>
+<p:sld xmlns:a="http://schemas.openxmlformats.org/drawingml/2006/main" xmlns:r="http://schemas.openxmlformats.org/officeDocument/2006/relationships" xmlns:p="http://schemas.openxmlformats.org/presentationml/2006/main">
+  <p:cSld>
+    <p:spTree>
+      <p:nvGrpSpPr>
+        <p:cNvPr id="1" name=""/>
+        <p:cNvGrpSpPr/>
+        <p:nvPr/>
+      </p:nvGrpSpPr>
+      <p:grpSpPr>
+        <a:xfrm>
+          <a:off x="0" y="0"/>
+          <a:ext cx="0" cy="0"/>
+          <a:chOff x="0" y="0"/>
+          <a:chExt cx="0" cy="0"/>
+        </a:xfrm>
+      </p:grpSpPr>
+      <p:sp>
+        <p:nvSpPr>
+          <p:cNvPr id="2" name="Title 1">
+            <a:extLst>
+              <a:ext uri="{FF2B5EF4-FFF2-40B4-BE49-F238E27FC236}">
+                <a16:creationId xmlns:a16="http://schemas.microsoft.com/office/drawing/2014/main" id="{7B119660-8516-320C-3825-8E7AB295D8D0}"/>
+              </a:ext>
+            </a:extLst>
+          </p:cNvPr>
+          <p:cNvSpPr>
+            <a:spLocks noGrp="1"/>
+          </p:cNvSpPr>
+          <p:nvPr>
+            <p:ph type="ctrTitle"/>
+          </p:nvPr>
+        </p:nvSpPr>
+        <p:spPr/>
+        <p:txBody>
+          <a:bodyPr/>
+          <a:lstStyle/>
+          <a:p>
+            <a:r>
+              <a:rPr lang="en-US" dirty="0"/>
+              <a:t>Discussion	</a:t>
+            </a:r>
+          </a:p>
+        </p:txBody>
+      </p:sp>
+      <p:sp>
+        <p:nvSpPr>
+          <p:cNvPr id="3" name="Subtitle 2">
+            <a:extLst>
+              <a:ext uri="{FF2B5EF4-FFF2-40B4-BE49-F238E27FC236}">
+                <a16:creationId xmlns:a16="http://schemas.microsoft.com/office/drawing/2014/main" id="{0A819ECD-772B-04A4-EB97-9E9547C33C21}"/>
+              </a:ext>
+            </a:extLst>
+          </p:cNvPr>
+          <p:cNvSpPr>
+            <a:spLocks noGrp="1"/>
+          </p:cNvSpPr>
+          <p:nvPr>
+            <p:ph type="subTitle" idx="1"/>
+          </p:nvPr>
+        </p:nvSpPr>
+        <p:spPr/>
+        <p:txBody>
+          <a:bodyPr>
+            <a:normAutofit/>
+          </a:bodyPr>
+          <a:lstStyle/>
+          <a:p>
+            <a:r>
+              <a:rPr lang="en-US" dirty="0"/>
+              <a:t>“… I’ll give you a topic.”</a:t>
+            </a:r>
+          </a:p>
+          <a:p>
+            <a:r>
+              <a:rPr lang="en-US" dirty="0"/>
+              <a:t>				</a:t>
+            </a:r>
+            <a:r>
+              <a:rPr lang="en-US" sz="2000" i="1" dirty="0"/>
+              <a:t>-Linda Richman</a:t>
+            </a:r>
+            <a:endParaRPr lang="en-US" dirty="0"/>
+          </a:p>
+        </p:txBody>
+      </p:sp>
+    </p:spTree>
+    <p:extLst>
+      <p:ext uri="{BB962C8B-B14F-4D97-AF65-F5344CB8AC3E}">
+        <p14:creationId xmlns:p14="http://schemas.microsoft.com/office/powerpoint/2010/main" val="3841178756"/>
+      </p:ext>
+    </p:extLst>
+  </p:cSld>
+  <p:clrMapOvr>
+    <a:masterClrMapping/>
+  </p:clrMapOvr>
+</p:sld>
+</file>
+
+<file path=ppt/slides/slide23.xml><?xml version="1.0" encoding="utf-8"?>
+<p:sld xmlns:a="http://schemas.openxmlformats.org/drawingml/2006/main" xmlns:r="http://schemas.openxmlformats.org/officeDocument/2006/relationships" xmlns:p="http://schemas.openxmlformats.org/presentationml/2006/main">
+  <p:cSld>
+    <p:spTree>
+      <p:nvGrpSpPr>
+        <p:cNvPr id="1" name=""/>
+        <p:cNvGrpSpPr/>
+        <p:nvPr/>
+      </p:nvGrpSpPr>
+      <p:grpSpPr>
+        <a:xfrm>
+          <a:off x="0" y="0"/>
+          <a:ext cx="0" cy="0"/>
+          <a:chOff x="0" y="0"/>
+          <a:chExt cx="0" cy="0"/>
+        </a:xfrm>
+      </p:grpSpPr>
+      <p:sp>
+        <p:nvSpPr>
+          <p:cNvPr id="2" name="Title 1">
+            <a:extLst>
+              <a:ext uri="{FF2B5EF4-FFF2-40B4-BE49-F238E27FC236}">
+                <a16:creationId xmlns:a16="http://schemas.microsoft.com/office/drawing/2014/main" id="{0A6EAD7E-F934-A4B8-516A-7AB668803669}"/>
+              </a:ext>
+            </a:extLst>
+          </p:cNvPr>
+          <p:cNvSpPr>
+            <a:spLocks noGrp="1"/>
+          </p:cNvSpPr>
+          <p:nvPr>
+            <p:ph type="title"/>
+          </p:nvPr>
+        </p:nvSpPr>
+        <p:spPr/>
+        <p:txBody>
+          <a:bodyPr/>
+          <a:lstStyle/>
+          <a:p>
+            <a:r>
+              <a:rPr lang="en-US" dirty="0"/>
+              <a:t>…. discuss….</a:t>
+            </a:r>
+          </a:p>
+        </p:txBody>
+      </p:sp>
+      <p:sp>
+        <p:nvSpPr>
+          <p:cNvPr id="3" name="Content Placeholder 2">
+            <a:extLst>
+              <a:ext uri="{FF2B5EF4-FFF2-40B4-BE49-F238E27FC236}">
+                <a16:creationId xmlns:a16="http://schemas.microsoft.com/office/drawing/2014/main" id="{734090E1-9BDB-43D2-E555-2420A1FDA245}"/>
+              </a:ext>
+            </a:extLst>
+          </p:cNvPr>
+          <p:cNvSpPr>
+            <a:spLocks noGrp="1"/>
+          </p:cNvSpPr>
+          <p:nvPr>
+            <p:ph idx="1"/>
+          </p:nvPr>
+        </p:nvSpPr>
+        <p:spPr/>
+        <p:txBody>
+          <a:bodyPr/>
+          <a:lstStyle/>
+          <a:p>
+            <a:pPr lvl="1"/>
+            <a:r>
+              <a:rPr lang="en-US" dirty="0"/>
+              <a:t>Population is a big factor in predicting enrollment gap</a:t>
+            </a:r>
+          </a:p>
+          <a:p>
+            <a:pPr lvl="2"/>
+            <a:r>
+              <a:rPr lang="en-US" dirty="0"/>
+              <a:t>Higher enrollment</a:t>
+            </a:r>
+          </a:p>
+          <a:p>
+            <a:pPr lvl="3"/>
+            <a:r>
+              <a:rPr lang="en-US" dirty="0"/>
+              <a:t>equals higher utilization</a:t>
+            </a:r>
+          </a:p>
+          <a:p>
+            <a:pPr lvl="1"/>
+            <a:r>
+              <a:rPr lang="en-US" dirty="0"/>
+              <a:t>Higher Enrollment % vs. Total Population usually indicative of a rural area (&lt;50K)</a:t>
+            </a:r>
+          </a:p>
+          <a:p>
+            <a:pPr lvl="2"/>
+            <a:r>
+              <a:rPr lang="en-US" dirty="0"/>
+              <a:t>76% of counties in Top 25 for enrollment percentages had fewer than 50K residents</a:t>
+            </a:r>
+          </a:p>
+          <a:p>
+            <a:pPr lvl="3"/>
+            <a:r>
+              <a:rPr lang="en-US" dirty="0"/>
+              <a:t>100% in Top 25 had negative gap scores, indicating utilization beyond income criteria</a:t>
+            </a:r>
+          </a:p>
+          <a:p>
+            <a:pPr marL="0" lvl="4" indent="0">
+              <a:buNone/>
+            </a:pPr>
+            <a:r>
+              <a:rPr lang="en-US" dirty="0"/>
+              <a:t>	Potentially disabled enrollees</a:t>
+            </a:r>
+          </a:p>
+          <a:p>
+            <a:endParaRPr lang="en-US" dirty="0"/>
+          </a:p>
+        </p:txBody>
+      </p:sp>
+    </p:spTree>
+    <p:extLst>
+      <p:ext uri="{BB962C8B-B14F-4D97-AF65-F5344CB8AC3E}">
+        <p14:creationId xmlns:p14="http://schemas.microsoft.com/office/powerpoint/2010/main" val="1503524338"/>
+      </p:ext>
+    </p:extLst>
+  </p:cSld>
+  <p:clrMapOvr>
+    <a:masterClrMapping/>
+  </p:clrMapOvr>
+  <p:timing>
+    <p:tnLst>
+      <p:par>
+        <p:cTn id="1" dur="indefinite" restart="never" nodeType="tmRoot">
+          <p:childTnLst>
+            <p:seq concurrent="1" nextAc="seek">
+              <p:cTn id="2" dur="indefinite" nodeType="mainSeq">
+                <p:childTnLst>
+                  <p:par>
+                    <p:cTn id="3" fill="hold">
+                      <p:stCondLst>
+                        <p:cond delay="indefinite"/>
+                      </p:stCondLst>
+                      <p:childTnLst>
+                        <p:par>
+                          <p:cTn id="4" fill="hold">
+                            <p:stCondLst>
+                              <p:cond delay="0"/>
+                            </p:stCondLst>
+                            <p:childTnLst>
+                              <p:par>
+                                <p:cTn id="5" presetID="10" presetClass="entr" presetSubtype="0" fill="hold" nodeType="clickEffect">
+                                  <p:stCondLst>
+                                    <p:cond delay="0"/>
+                                  </p:stCondLst>
+                                  <p:childTnLst>
+                                    <p:set>
+                                      <p:cBhvr>
+                                        <p:cTn id="6" dur="1" fill="hold">
+                                          <p:stCondLst>
+                                            <p:cond delay="0"/>
+                                          </p:stCondLst>
+                                        </p:cTn>
+                                        <p:tgtEl>
+                                          <p:spTgt spid="3">
+                                            <p:txEl>
+                                              <p:pRg st="0" end="0"/>
+                                            </p:txEl>
+                                          </p:spTgt>
+                                        </p:tgtEl>
+                                        <p:attrNameLst>
+                                          <p:attrName>style.visibility</p:attrName>
+                                        </p:attrNameLst>
+                                      </p:cBhvr>
+                                      <p:to>
+                                        <p:strVal val="visible"/>
+                                      </p:to>
+                                    </p:set>
+                                    <p:animEffect transition="in" filter="fade">
+                                      <p:cBhvr>
+                                        <p:cTn id="7" dur="500"/>
+                                        <p:tgtEl>
+                                          <p:spTgt spid="3">
+                                            <p:txEl>
+                                              <p:pRg st="0" end="0"/>
+                                            </p:txEl>
+                                          </p:spTgt>
+                                        </p:tgtEl>
+                                      </p:cBhvr>
+                                    </p:animEffect>
+                                  </p:childTnLst>
+                                </p:cTn>
+                              </p:par>
+                            </p:childTnLst>
+                          </p:cTn>
+                        </p:par>
+                        <p:par>
+                          <p:cTn id="8" fill="hold">
+                            <p:stCondLst>
+                              <p:cond delay="500"/>
+                            </p:stCondLst>
+                            <p:childTnLst>
+                              <p:par>
+                                <p:cTn id="9" presetID="10" presetClass="entr" presetSubtype="0" fill="hold" nodeType="afterEffect">
+                                  <p:stCondLst>
+                                    <p:cond delay="0"/>
+                                  </p:stCondLst>
+                                  <p:childTnLst>
+                                    <p:set>
+                                      <p:cBhvr>
+                                        <p:cTn id="10" dur="1" fill="hold">
+                                          <p:stCondLst>
+                                            <p:cond delay="0"/>
+                                          </p:stCondLst>
+                                        </p:cTn>
+                                        <p:tgtEl>
+                                          <p:spTgt spid="3">
+                                            <p:txEl>
+                                              <p:pRg st="1" end="1"/>
+                                            </p:txEl>
+                                          </p:spTgt>
+                                        </p:tgtEl>
+                                        <p:attrNameLst>
+                                          <p:attrName>style.visibility</p:attrName>
+                                        </p:attrNameLst>
+                                      </p:cBhvr>
+                                      <p:to>
+                                        <p:strVal val="visible"/>
+                                      </p:to>
+                                    </p:set>
+                                    <p:animEffect transition="in" filter="fade">
+                                      <p:cBhvr>
+                                        <p:cTn id="11" dur="500"/>
+                                        <p:tgtEl>
+                                          <p:spTgt spid="3">
+                                            <p:txEl>
+                                              <p:pRg st="1" end="1"/>
+                                            </p:txEl>
+                                          </p:spTgt>
+                                        </p:tgtEl>
+                                      </p:cBhvr>
+                                    </p:animEffect>
+                                  </p:childTnLst>
+                                </p:cTn>
+                              </p:par>
+                              <p:par>
+                                <p:cTn id="12" presetID="10" presetClass="entr" presetSubtype="0" fill="hold" nodeType="withEffect">
+                                  <p:stCondLst>
+                                    <p:cond delay="0"/>
+                                  </p:stCondLst>
+                                  <p:childTnLst>
+                                    <p:set>
+                                      <p:cBhvr>
+                                        <p:cTn id="13" dur="1" fill="hold">
+                                          <p:stCondLst>
+                                            <p:cond delay="0"/>
+                                          </p:stCondLst>
+                                        </p:cTn>
+                                        <p:tgtEl>
+                                          <p:spTgt spid="3">
+                                            <p:txEl>
+                                              <p:pRg st="2" end="2"/>
+                                            </p:txEl>
+                                          </p:spTgt>
+                                        </p:tgtEl>
+                                        <p:attrNameLst>
+                                          <p:attrName>style.visibility</p:attrName>
+                                        </p:attrNameLst>
+                                      </p:cBhvr>
+                                      <p:to>
+                                        <p:strVal val="visible"/>
+                                      </p:to>
+                                    </p:set>
+                                    <p:animEffect transition="in" filter="fade">
+                                      <p:cBhvr>
+                                        <p:cTn id="14" dur="500"/>
+                                        <p:tgtEl>
+                                          <p:spTgt spid="3">
+                                            <p:txEl>
+                                              <p:pRg st="2" end="2"/>
+                                            </p:txEl>
+                                          </p:spTgt>
+                                        </p:tgtEl>
+                                      </p:cBhvr>
+                                    </p:animEffect>
+                                  </p:childTnLst>
+                                </p:cTn>
+                              </p:par>
+                            </p:childTnLst>
+                          </p:cTn>
+                        </p:par>
+                      </p:childTnLst>
+                    </p:cTn>
+                  </p:par>
+                  <p:par>
+                    <p:cTn id="15" fill="hold">
+                      <p:stCondLst>
+                        <p:cond delay="indefinite"/>
+                      </p:stCondLst>
+                      <p:childTnLst>
+                        <p:par>
+                          <p:cTn id="16" fill="hold">
+                            <p:stCondLst>
+                              <p:cond delay="0"/>
+                            </p:stCondLst>
+                            <p:childTnLst>
+                              <p:par>
+                                <p:cTn id="17" presetID="10" presetClass="entr" presetSubtype="0" fill="hold" nodeType="clickEffect">
+                                  <p:stCondLst>
+                                    <p:cond delay="0"/>
+                                  </p:stCondLst>
+                                  <p:childTnLst>
+                                    <p:set>
+                                      <p:cBhvr>
+                                        <p:cTn id="18" dur="1" fill="hold">
+                                          <p:stCondLst>
+                                            <p:cond delay="0"/>
+                                          </p:stCondLst>
+                                        </p:cTn>
+                                        <p:tgtEl>
+                                          <p:spTgt spid="3">
+                                            <p:txEl>
+                                              <p:pRg st="3" end="3"/>
+                                            </p:txEl>
+                                          </p:spTgt>
+                                        </p:tgtEl>
+                                        <p:attrNameLst>
+                                          <p:attrName>style.visibility</p:attrName>
+                                        </p:attrNameLst>
+                                      </p:cBhvr>
+                                      <p:to>
+                                        <p:strVal val="visible"/>
+                                      </p:to>
+                                    </p:set>
+                                    <p:animEffect transition="in" filter="fade">
+                                      <p:cBhvr>
+                                        <p:cTn id="19" dur="500"/>
+                                        <p:tgtEl>
+                                          <p:spTgt spid="3">
+                                            <p:txEl>
+                                              <p:pRg st="3" end="3"/>
+                                            </p:txEl>
+                                          </p:spTgt>
+                                        </p:tgtEl>
+                                      </p:cBhvr>
+                                    </p:animEffect>
+                                  </p:childTnLst>
+                                </p:cTn>
+                              </p:par>
+                            </p:childTnLst>
+                          </p:cTn>
+                        </p:par>
+                        <p:par>
+                          <p:cTn id="20" fill="hold">
+                            <p:stCondLst>
+                              <p:cond delay="500"/>
+                            </p:stCondLst>
+                            <p:childTnLst>
+                              <p:par>
+                                <p:cTn id="21" presetID="10" presetClass="entr" presetSubtype="0" fill="hold" nodeType="afterEffect">
+                                  <p:stCondLst>
+                                    <p:cond delay="0"/>
+                                  </p:stCondLst>
+                                  <p:childTnLst>
+                                    <p:set>
+                                      <p:cBhvr>
+                                        <p:cTn id="22" dur="1" fill="hold">
+                                          <p:stCondLst>
+                                            <p:cond delay="0"/>
+                                          </p:stCondLst>
+                                        </p:cTn>
+                                        <p:tgtEl>
+                                          <p:spTgt spid="3">
+                                            <p:txEl>
+                                              <p:pRg st="4" end="4"/>
+                                            </p:txEl>
+                                          </p:spTgt>
+                                        </p:tgtEl>
+                                        <p:attrNameLst>
+                                          <p:attrName>style.visibility</p:attrName>
+                                        </p:attrNameLst>
+                                      </p:cBhvr>
+                                      <p:to>
+                                        <p:strVal val="visible"/>
+                                      </p:to>
+                                    </p:set>
+                                    <p:animEffect transition="in" filter="fade">
+                                      <p:cBhvr>
+                                        <p:cTn id="23" dur="500"/>
+                                        <p:tgtEl>
+                                          <p:spTgt spid="3">
+                                            <p:txEl>
+                                              <p:pRg st="4" end="4"/>
+                                            </p:txEl>
+                                          </p:spTgt>
+                                        </p:tgtEl>
+                                      </p:cBhvr>
+                                    </p:animEffect>
+                                  </p:childTnLst>
+                                </p:cTn>
+                              </p:par>
+                            </p:childTnLst>
+                          </p:cTn>
+                        </p:par>
+                      </p:childTnLst>
+                    </p:cTn>
+                  </p:par>
+                  <p:par>
+                    <p:cTn id="24" fill="hold">
+                      <p:stCondLst>
+                        <p:cond delay="indefinite"/>
+                      </p:stCondLst>
+                      <p:childTnLst>
+                        <p:par>
+                          <p:cTn id="25" fill="hold">
+                            <p:stCondLst>
+                              <p:cond delay="0"/>
+                            </p:stCondLst>
+                            <p:childTnLst>
+                              <p:par>
+                                <p:cTn id="26" presetID="10" presetClass="entr" presetSubtype="0" fill="hold" nodeType="clickEffect">
+                                  <p:stCondLst>
+                                    <p:cond delay="0"/>
+                                  </p:stCondLst>
+                                  <p:childTnLst>
+                                    <p:set>
+                                      <p:cBhvr>
+                                        <p:cTn id="27" dur="1" fill="hold">
+                                          <p:stCondLst>
+                                            <p:cond delay="0"/>
+                                          </p:stCondLst>
+                                        </p:cTn>
+                                        <p:tgtEl>
+                                          <p:spTgt spid="3">
+                                            <p:txEl>
+                                              <p:pRg st="5" end="5"/>
+                                            </p:txEl>
+                                          </p:spTgt>
+                                        </p:tgtEl>
+                                        <p:attrNameLst>
+                                          <p:attrName>style.visibility</p:attrName>
+                                        </p:attrNameLst>
+                                      </p:cBhvr>
+                                      <p:to>
+                                        <p:strVal val="visible"/>
+                                      </p:to>
+                                    </p:set>
+                                    <p:animEffect transition="in" filter="fade">
+                                      <p:cBhvr>
+                                        <p:cTn id="28" dur="500"/>
+                                        <p:tgtEl>
+                                          <p:spTgt spid="3">
+                                            <p:txEl>
+                                              <p:pRg st="5" end="5"/>
+                                            </p:txEl>
+                                          </p:spTgt>
+                                        </p:tgtEl>
+                                      </p:cBhvr>
+                                    </p:animEffect>
+                                  </p:childTnLst>
+                                </p:cTn>
+                              </p:par>
+                            </p:childTnLst>
+                          </p:cTn>
+                        </p:par>
+                        <p:par>
+                          <p:cTn id="29" fill="hold">
+                            <p:stCondLst>
+                              <p:cond delay="500"/>
+                            </p:stCondLst>
+                            <p:childTnLst>
+                              <p:par>
+                                <p:cTn id="30" presetID="10" presetClass="entr" presetSubtype="0" fill="hold" nodeType="afterEffect">
+                                  <p:stCondLst>
+                                    <p:cond delay="0"/>
+                                  </p:stCondLst>
+                                  <p:childTnLst>
+                                    <p:set>
+                                      <p:cBhvr>
+                                        <p:cTn id="31" dur="1" fill="hold">
+                                          <p:stCondLst>
+                                            <p:cond delay="0"/>
+                                          </p:stCondLst>
+                                        </p:cTn>
+                                        <p:tgtEl>
+                                          <p:spTgt spid="3">
+                                            <p:txEl>
+                                              <p:pRg st="6" end="6"/>
+                                            </p:txEl>
+                                          </p:spTgt>
+                                        </p:tgtEl>
+                                        <p:attrNameLst>
+                                          <p:attrName>style.visibility</p:attrName>
+                                        </p:attrNameLst>
+                                      </p:cBhvr>
+                                      <p:to>
+                                        <p:strVal val="visible"/>
+                                      </p:to>
+                                    </p:set>
+                                    <p:animEffect transition="in" filter="fade">
+                                      <p:cBhvr>
+                                        <p:cTn id="32" dur="500"/>
+                                        <p:tgtEl>
+                                          <p:spTgt spid="3">
+                                            <p:txEl>
+                                              <p:pRg st="6" end="6"/>
+                                            </p:txEl>
+                                          </p:spTgt>
+                                        </p:tgtEl>
+                                      </p:cBhvr>
+                                    </p:animEffect>
+                                  </p:childTnLst>
+                                </p:cTn>
+                              </p:par>
+                            </p:childTnLst>
+                          </p:cTn>
+                        </p:par>
+                      </p:childTnLst>
+                    </p:cTn>
+                  </p:par>
+                </p:childTnLst>
+              </p:cTn>
+              <p:prevCondLst>
+                <p:cond evt="onPrev" delay="0">
+                  <p:tgtEl>
+                    <p:sldTgt/>
+                  </p:tgtEl>
+                </p:cond>
+              </p:prevCondLst>
+              <p:nextCondLst>
+                <p:cond evt="onNext" delay="0">
+                  <p:tgtEl>
+                    <p:sldTgt/>
+                  </p:tgtEl>
+                </p:cond>
+              </p:nextCondLst>
+            </p:seq>
+          </p:childTnLst>
+        </p:cTn>
+      </p:par>
+    </p:tnLst>
+  </p:timing>
+</p:sld>
+</file>
+
 <file path=ppt/slides/slide3.xml><?xml version="1.0" encoding="utf-8"?>
 <p:sld xmlns:a="http://schemas.openxmlformats.org/drawingml/2006/main" xmlns:r="http://schemas.openxmlformats.org/officeDocument/2006/relationships" xmlns:p="http://schemas.openxmlformats.org/presentationml/2006/main">
   <p:cSld>
@@ -6602,23 +7287,21 @@
           <a:bodyPr/>
           <a:lstStyle/>
           <a:p>
-            <a:pPr>
-              <a:buFont typeface="Arial" panose="020B0604020202020204" pitchFamily="34" charset="0"/>
-              <a:buChar char="•"/>
+            <a:pPr marL="0" indent="0">
+              <a:buNone/>
             </a:pPr>
             <a:r>
               <a:rPr lang="en-US" dirty="0"/>
-              <a:t>While Medicaid enrollment varies across years, the overall trend shows increase program utilization since February 2020*.</a:t>
-            </a:r>
-          </a:p>
-          <a:p>
-            <a:pPr>
-              <a:buFont typeface="Arial" panose="020B0604020202020204" pitchFamily="34" charset="0"/>
-              <a:buChar char="•"/>
+              <a:t>While Medicaid enrollment varies across years, the overall trend shows increase 		in program utilization since February 2020*</a:t>
+            </a:r>
+          </a:p>
+          <a:p>
+            <a:pPr marL="0" indent="0">
+              <a:buNone/>
             </a:pPr>
             <a:r>
               <a:rPr lang="en-US" dirty="0"/>
-              <a:t>Proposed budgetary allotments have potential to reduce access.</a:t>
+              <a:t>New budgetary proposals have potential to reduce access</a:t>
             </a:r>
           </a:p>
           <a:p>
@@ -6638,7 +7321,7 @@
             </a:pPr>
             <a:r>
               <a:rPr lang="en-US" dirty="0"/>
-              <a:t>New criteria</a:t>
+              <a:t>New enrollment criteria</a:t>
             </a:r>
           </a:p>
         </p:txBody>
@@ -6685,6 +7368,38 @@
           </a:p>
         </p:txBody>
       </p:sp>
+      <p:pic>
+        <p:nvPicPr>
+          <p:cNvPr id="8" name="Picture 7">
+            <a:extLst>
+              <a:ext uri="{FF2B5EF4-FFF2-40B4-BE49-F238E27FC236}">
+                <a16:creationId xmlns:a16="http://schemas.microsoft.com/office/drawing/2014/main" id="{591A16D6-559F-D137-ED0E-4D258000BFD8}"/>
+              </a:ext>
+            </a:extLst>
+          </p:cNvPr>
+          <p:cNvPicPr>
+            <a:picLocks noChangeAspect="1"/>
+          </p:cNvPicPr>
+          <p:nvPr/>
+        </p:nvPicPr>
+        <p:blipFill>
+          <a:blip r:embed="rId2">
+            <a:alphaModFix amt="74000"/>
+          </a:blip>
+          <a:stretch>
+            <a:fillRect/>
+          </a:stretch>
+        </p:blipFill>
+        <p:spPr>
+          <a:xfrm>
+            <a:off x="7450104" y="3429000"/>
+            <a:ext cx="3979895" cy="2648288"/>
+          </a:xfrm>
+          <a:prstGeom prst="rect">
+            <a:avLst/>
+          </a:prstGeom>
+        </p:spPr>
+      </p:pic>
     </p:spTree>
     <p:extLst>
       <p:ext uri="{BB962C8B-B14F-4D97-AF65-F5344CB8AC3E}">
@@ -6957,6 +7672,38 @@
           </a:p>
         </p:txBody>
       </p:sp>
+      <p:pic>
+        <p:nvPicPr>
+          <p:cNvPr id="8" name="Picture 7">
+            <a:extLst>
+              <a:ext uri="{FF2B5EF4-FFF2-40B4-BE49-F238E27FC236}">
+                <a16:creationId xmlns:a16="http://schemas.microsoft.com/office/drawing/2014/main" id="{7722C16C-BF27-F4B8-E6DD-8C02FE31BCA7}"/>
+              </a:ext>
+            </a:extLst>
+          </p:cNvPr>
+          <p:cNvPicPr>
+            <a:picLocks noChangeAspect="1"/>
+          </p:cNvPicPr>
+          <p:nvPr/>
+        </p:nvPicPr>
+        <p:blipFill>
+          <a:blip r:embed="rId2">
+            <a:alphaModFix amt="9000"/>
+          </a:blip>
+          <a:stretch>
+            <a:fillRect/>
+          </a:stretch>
+        </p:blipFill>
+        <p:spPr>
+          <a:xfrm>
+            <a:off x="2644780" y="0"/>
+            <a:ext cx="8026268" cy="6858000"/>
+          </a:xfrm>
+          <a:prstGeom prst="rect">
+            <a:avLst/>
+          </a:prstGeom>
+        </p:spPr>
+      </p:pic>
     </p:spTree>
     <p:extLst>
       <p:ext uri="{BB962C8B-B14F-4D97-AF65-F5344CB8AC3E}">
@@ -7293,6 +8040,38 @@
           </a:p>
         </p:txBody>
       </p:sp>
+      <p:pic>
+        <p:nvPicPr>
+          <p:cNvPr id="5" name="Picture 4">
+            <a:extLst>
+              <a:ext uri="{FF2B5EF4-FFF2-40B4-BE49-F238E27FC236}">
+                <a16:creationId xmlns:a16="http://schemas.microsoft.com/office/drawing/2014/main" id="{BA05E407-9911-41A9-28F8-7BB2DFFE278F}"/>
+              </a:ext>
+            </a:extLst>
+          </p:cNvPr>
+          <p:cNvPicPr>
+            <a:picLocks noChangeAspect="1"/>
+          </p:cNvPicPr>
+          <p:nvPr/>
+        </p:nvPicPr>
+        <p:blipFill>
+          <a:blip r:embed="rId2">
+            <a:alphaModFix amt="35000"/>
+          </a:blip>
+          <a:stretch>
+            <a:fillRect/>
+          </a:stretch>
+        </p:blipFill>
+        <p:spPr>
+          <a:xfrm>
+            <a:off x="4896473" y="3669878"/>
+            <a:ext cx="6533526" cy="2989088"/>
+          </a:xfrm>
+          <a:prstGeom prst="rect">
+            <a:avLst/>
+          </a:prstGeom>
+        </p:spPr>
+      </p:pic>
     </p:spTree>
     <p:extLst>
       <p:ext uri="{BB962C8B-B14F-4D97-AF65-F5344CB8AC3E}">
